--- a/images/theory_analysis/PostgreSQL_Replication/PostgreSQL_Replication.pptx
+++ b/images/theory_analysis/PostgreSQL_Replication/PostgreSQL_Replication.pptx
@@ -216,7 +216,7 @@
           <a:p>
             <a:fld id="{6CD5550B-26C4-49A9-A5BA-636EF7BE6CE9}" type="datetimeFigureOut">
               <a:rPr lang="ko-KR" altLang="en-US" smtClean="0"/>
-              <a:t>2019-03-01</a:t>
+              <a:t>2019-03-02</a:t>
             </a:fld>
             <a:endParaRPr lang="ko-KR" altLang="en-US"/>
           </a:p>
@@ -998,7 +998,7 @@
           <a:p>
             <a:fld id="{FB30EDBD-1C2D-4C1E-B459-B60219FAB484}" type="datetimeFigureOut">
               <a:rPr lang="ko-KR" altLang="en-US" smtClean="0"/>
-              <a:t>2019-03-01</a:t>
+              <a:t>2019-03-02</a:t>
             </a:fld>
             <a:endParaRPr lang="ko-KR" altLang="en-US"/>
           </a:p>
@@ -1161,7 +1161,7 @@
           <a:p>
             <a:fld id="{FB30EDBD-1C2D-4C1E-B459-B60219FAB484}" type="datetimeFigureOut">
               <a:rPr lang="ko-KR" altLang="en-US" smtClean="0"/>
-              <a:t>2019-03-01</a:t>
+              <a:t>2019-03-02</a:t>
             </a:fld>
             <a:endParaRPr lang="ko-KR" altLang="en-US"/>
           </a:p>
@@ -1334,7 +1334,7 @@
           <a:p>
             <a:fld id="{FB30EDBD-1C2D-4C1E-B459-B60219FAB484}" type="datetimeFigureOut">
               <a:rPr lang="ko-KR" altLang="en-US" smtClean="0"/>
-              <a:t>2019-03-01</a:t>
+              <a:t>2019-03-02</a:t>
             </a:fld>
             <a:endParaRPr lang="ko-KR" altLang="en-US"/>
           </a:p>
@@ -1497,7 +1497,7 @@
           <a:p>
             <a:fld id="{FB30EDBD-1C2D-4C1E-B459-B60219FAB484}" type="datetimeFigureOut">
               <a:rPr lang="ko-KR" altLang="en-US" smtClean="0"/>
-              <a:t>2019-03-01</a:t>
+              <a:t>2019-03-02</a:t>
             </a:fld>
             <a:endParaRPr lang="ko-KR" altLang="en-US"/>
           </a:p>
@@ -1737,7 +1737,7 @@
           <a:p>
             <a:fld id="{FB30EDBD-1C2D-4C1E-B459-B60219FAB484}" type="datetimeFigureOut">
               <a:rPr lang="ko-KR" altLang="en-US" smtClean="0"/>
-              <a:t>2019-03-01</a:t>
+              <a:t>2019-03-02</a:t>
             </a:fld>
             <a:endParaRPr lang="ko-KR" altLang="en-US"/>
           </a:p>
@@ -2017,7 +2017,7 @@
           <a:p>
             <a:fld id="{FB30EDBD-1C2D-4C1E-B459-B60219FAB484}" type="datetimeFigureOut">
               <a:rPr lang="ko-KR" altLang="en-US" smtClean="0"/>
-              <a:t>2019-03-01</a:t>
+              <a:t>2019-03-02</a:t>
             </a:fld>
             <a:endParaRPr lang="ko-KR" altLang="en-US"/>
           </a:p>
@@ -2431,7 +2431,7 @@
           <a:p>
             <a:fld id="{FB30EDBD-1C2D-4C1E-B459-B60219FAB484}" type="datetimeFigureOut">
               <a:rPr lang="ko-KR" altLang="en-US" smtClean="0"/>
-              <a:t>2019-03-01</a:t>
+              <a:t>2019-03-02</a:t>
             </a:fld>
             <a:endParaRPr lang="ko-KR" altLang="en-US"/>
           </a:p>
@@ -2543,7 +2543,7 @@
           <a:p>
             <a:fld id="{FB30EDBD-1C2D-4C1E-B459-B60219FAB484}" type="datetimeFigureOut">
               <a:rPr lang="ko-KR" altLang="en-US" smtClean="0"/>
-              <a:t>2019-03-01</a:t>
+              <a:t>2019-03-02</a:t>
             </a:fld>
             <a:endParaRPr lang="ko-KR" altLang="en-US"/>
           </a:p>
@@ -2633,7 +2633,7 @@
           <a:p>
             <a:fld id="{FB30EDBD-1C2D-4C1E-B459-B60219FAB484}" type="datetimeFigureOut">
               <a:rPr lang="ko-KR" altLang="en-US" smtClean="0"/>
-              <a:t>2019-03-01</a:t>
+              <a:t>2019-03-02</a:t>
             </a:fld>
             <a:endParaRPr lang="ko-KR" altLang="en-US"/>
           </a:p>
@@ -2903,7 +2903,7 @@
           <a:p>
             <a:fld id="{FB30EDBD-1C2D-4C1E-B459-B60219FAB484}" type="datetimeFigureOut">
               <a:rPr lang="ko-KR" altLang="en-US" smtClean="0"/>
-              <a:t>2019-03-01</a:t>
+              <a:t>2019-03-02</a:t>
             </a:fld>
             <a:endParaRPr lang="ko-KR" altLang="en-US"/>
           </a:p>
@@ -3150,7 +3150,7 @@
           <a:p>
             <a:fld id="{FB30EDBD-1C2D-4C1E-B459-B60219FAB484}" type="datetimeFigureOut">
               <a:rPr lang="ko-KR" altLang="en-US" smtClean="0"/>
-              <a:t>2019-03-01</a:t>
+              <a:t>2019-03-02</a:t>
             </a:fld>
             <a:endParaRPr lang="ko-KR" altLang="en-US"/>
           </a:p>
@@ -3356,7 +3356,7 @@
           <a:p>
             <a:fld id="{FB30EDBD-1C2D-4C1E-B459-B60219FAB484}" type="datetimeFigureOut">
               <a:rPr lang="ko-KR" altLang="en-US" smtClean="0"/>
-              <a:t>2019-03-01</a:t>
+              <a:t>2019-03-02</a:t>
             </a:fld>
             <a:endParaRPr lang="ko-KR" altLang="en-US"/>
           </a:p>
@@ -4630,7 +4630,7 @@
         </p:nvSpPr>
         <p:spPr>
           <a:xfrm>
-            <a:off x="2239698" y="1491631"/>
+            <a:off x="1979714" y="1491631"/>
             <a:ext cx="1512166" cy="307777"/>
           </a:xfrm>
           <a:prstGeom prst="rect">
@@ -4667,7 +4667,7 @@
         </p:nvSpPr>
         <p:spPr>
           <a:xfrm>
-            <a:off x="1807648" y="1851671"/>
+            <a:off x="1547664" y="1851671"/>
             <a:ext cx="2521113" cy="1512167"/>
           </a:xfrm>
           <a:prstGeom prst="roundRect">
@@ -4717,7 +4717,7 @@
         </p:nvSpPr>
         <p:spPr>
           <a:xfrm>
-            <a:off x="1876316" y="1922423"/>
+            <a:off x="1616332" y="1922423"/>
             <a:ext cx="2383504" cy="1096043"/>
           </a:xfrm>
           <a:prstGeom prst="flowChartMagneticDisk">
@@ -4761,7 +4761,7 @@
         </p:nvGrpSpPr>
         <p:grpSpPr>
           <a:xfrm>
-            <a:off x="1948324" y="2355727"/>
+            <a:off x="1688340" y="2355727"/>
             <a:ext cx="2235588" cy="448794"/>
             <a:chOff x="2114921" y="2200351"/>
             <a:chExt cx="1686095" cy="512908"/>
@@ -4886,7 +4886,7 @@
         </p:nvCxnSpPr>
         <p:spPr>
           <a:xfrm>
-            <a:off x="2701289" y="2580032"/>
+            <a:off x="2441305" y="2580032"/>
             <a:ext cx="681629" cy="185"/>
           </a:xfrm>
           <a:prstGeom prst="straightConnector1">
@@ -4932,7 +4932,7 @@
         </p:nvCxnSpPr>
         <p:spPr>
           <a:xfrm>
-            <a:off x="2324807" y="1491631"/>
+            <a:off x="2064823" y="1491631"/>
             <a:ext cx="0" cy="864096"/>
           </a:xfrm>
           <a:prstGeom prst="straightConnector1">
@@ -4975,7 +4975,7 @@
         </p:nvSpPr>
         <p:spPr>
           <a:xfrm>
-            <a:off x="5003215" y="1851671"/>
+            <a:off x="5291247" y="1851671"/>
             <a:ext cx="2521113" cy="1512167"/>
           </a:xfrm>
           <a:prstGeom prst="roundRect">
@@ -5025,7 +5025,7 @@
         </p:nvSpPr>
         <p:spPr>
           <a:xfrm>
-            <a:off x="5071883" y="1922423"/>
+            <a:off x="5359915" y="1922423"/>
             <a:ext cx="2383504" cy="1096043"/>
           </a:xfrm>
           <a:prstGeom prst="flowChartMagneticDisk">
@@ -5069,7 +5069,7 @@
         </p:nvGrpSpPr>
         <p:grpSpPr>
           <a:xfrm>
-            <a:off x="5143891" y="2355727"/>
+            <a:off x="5431923" y="2355727"/>
             <a:ext cx="2235588" cy="448794"/>
             <a:chOff x="2114921" y="2200351"/>
             <a:chExt cx="1686095" cy="512908"/>
@@ -5201,7 +5201,7 @@
         </p:nvCxnSpPr>
         <p:spPr>
           <a:xfrm>
-            <a:off x="5944884" y="2580032"/>
+            <a:off x="6232916" y="2580032"/>
             <a:ext cx="633601" cy="185"/>
           </a:xfrm>
           <a:prstGeom prst="straightConnector1">
@@ -5248,8 +5248,8 @@
         </p:nvCxnSpPr>
         <p:spPr>
           <a:xfrm flipV="1">
-            <a:off x="4183912" y="2580032"/>
-            <a:ext cx="959979" cy="185"/>
+            <a:off x="3923928" y="2580032"/>
+            <a:ext cx="1507995" cy="185"/>
           </a:xfrm>
           <a:prstGeom prst="straightConnector1">
             <a:avLst/>
@@ -5277,6 +5277,50 @@
           </a:fontRef>
         </p:style>
       </p:cxnSp>
+      <p:sp>
+        <p:nvSpPr>
+          <p:cNvPr id="18" name="TextBox 17">
+            <a:extLst>
+              <a:ext uri="{FF2B5EF4-FFF2-40B4-BE49-F238E27FC236}">
+                <a16:creationId xmlns:a16="http://schemas.microsoft.com/office/drawing/2014/main" id="{B386C83C-2CDE-47DC-B8F2-C97070C2F6FA}"/>
+              </a:ext>
+            </a:extLst>
+          </p:cNvPr>
+          <p:cNvSpPr txBox="1"/>
+          <p:nvPr/>
+        </p:nvSpPr>
+        <p:spPr>
+          <a:xfrm>
+            <a:off x="3923928" y="2048530"/>
+            <a:ext cx="1512166" cy="523220"/>
+          </a:xfrm>
+          <a:prstGeom prst="rect">
+            <a:avLst/>
+          </a:prstGeom>
+          <a:noFill/>
+        </p:spPr>
+        <p:txBody>
+          <a:bodyPr wrap="square" rtlCol="0" anchor="ctr">
+            <a:spAutoFit/>
+          </a:bodyPr>
+          <a:lstStyle/>
+          <a:p>
+            <a:pPr algn="ctr"/>
+            <a:r>
+              <a:rPr lang="en-US" altLang="ko-KR" sz="1400"/>
+              <a:t>WAL </a:t>
+            </a:r>
+          </a:p>
+          <a:p>
+            <a:pPr algn="ctr"/>
+            <a:r>
+              <a:rPr lang="en-US" altLang="ko-KR" sz="1400"/>
+              <a:t>Segment File</a:t>
+            </a:r>
+            <a:endParaRPr lang="ko-KR" altLang="en-US" sz="1400"/>
+          </a:p>
+        </p:txBody>
+      </p:sp>
     </p:spTree>
     <p:extLst>
       <p:ext uri="{BB962C8B-B14F-4D97-AF65-F5344CB8AC3E}">
@@ -5349,7 +5393,7 @@
         </p:nvSpPr>
         <p:spPr>
           <a:xfrm>
-            <a:off x="2555776" y="1779662"/>
+            <a:off x="2483768" y="1779662"/>
             <a:ext cx="1512168" cy="1944216"/>
           </a:xfrm>
           <a:prstGeom prst="roundRect">
@@ -5399,7 +5443,7 @@
         </p:nvSpPr>
         <p:spPr>
           <a:xfrm>
-            <a:off x="2699792" y="2517123"/>
+            <a:off x="2627784" y="2517123"/>
             <a:ext cx="1224136" cy="804503"/>
           </a:xfrm>
           <a:prstGeom prst="flowChartMagneticDisk">
@@ -5443,7 +5487,7 @@
         </p:nvSpPr>
         <p:spPr>
           <a:xfrm>
-            <a:off x="2925596" y="2852333"/>
+            <a:off x="2853588" y="2852333"/>
             <a:ext cx="772527" cy="342919"/>
           </a:xfrm>
           <a:prstGeom prst="roundRect">
@@ -5493,7 +5537,7 @@
         </p:nvSpPr>
         <p:spPr>
           <a:xfrm>
-            <a:off x="2699792" y="1913746"/>
+            <a:off x="2627784" y="1913746"/>
             <a:ext cx="1212106" cy="477002"/>
           </a:xfrm>
           <a:prstGeom prst="roundRect">
@@ -5550,7 +5594,7 @@
         </p:nvSpPr>
         <p:spPr>
           <a:xfrm>
-            <a:off x="5076056" y="1779662"/>
+            <a:off x="5148064" y="1779662"/>
             <a:ext cx="1512168" cy="1944216"/>
           </a:xfrm>
           <a:prstGeom prst="roundRect">
@@ -5600,7 +5644,7 @@
         </p:nvSpPr>
         <p:spPr>
           <a:xfrm>
-            <a:off x="5220072" y="2517123"/>
+            <a:off x="5292080" y="2517123"/>
             <a:ext cx="1224136" cy="804503"/>
           </a:xfrm>
           <a:prstGeom prst="flowChartMagneticDisk">
@@ -5644,7 +5688,7 @@
         </p:nvSpPr>
         <p:spPr>
           <a:xfrm>
-            <a:off x="5445876" y="2852333"/>
+            <a:off x="5517884" y="2852333"/>
             <a:ext cx="772527" cy="342919"/>
           </a:xfrm>
           <a:prstGeom prst="roundRect">
@@ -5694,7 +5738,7 @@
         </p:nvSpPr>
         <p:spPr>
           <a:xfrm>
-            <a:off x="5220072" y="1913746"/>
+            <a:off x="5292080" y="1913746"/>
             <a:ext cx="1212106" cy="477002"/>
           </a:xfrm>
           <a:prstGeom prst="roundRect">
@@ -5753,7 +5797,7 @@
         </p:nvCxnSpPr>
         <p:spPr>
           <a:xfrm>
-            <a:off x="2987824" y="1491630"/>
+            <a:off x="2915816" y="1491630"/>
             <a:ext cx="0" cy="1360703"/>
           </a:xfrm>
           <a:prstGeom prst="straightConnector1">
@@ -5796,7 +5840,7 @@
         </p:nvSpPr>
         <p:spPr>
           <a:xfrm>
-            <a:off x="2877718" y="1478931"/>
+            <a:off x="2805710" y="1478931"/>
             <a:ext cx="1512166" cy="307777"/>
           </a:xfrm>
           <a:prstGeom prst="rect">
@@ -5837,8 +5881,8 @@
         </p:nvCxnSpPr>
         <p:spPr>
           <a:xfrm>
-            <a:off x="3911898" y="2152247"/>
-            <a:ext cx="1308174" cy="0"/>
+            <a:off x="3839890" y="2152247"/>
+            <a:ext cx="1452190" cy="0"/>
           </a:xfrm>
           <a:prstGeom prst="straightConnector1">
             <a:avLst/>
@@ -5884,7 +5928,7 @@
         </p:nvCxnSpPr>
         <p:spPr>
           <a:xfrm>
-            <a:off x="5826125" y="2390748"/>
+            <a:off x="5898133" y="2390748"/>
             <a:ext cx="6015" cy="461585"/>
           </a:xfrm>
           <a:prstGeom prst="straightConnector1">
@@ -5931,7 +5975,7 @@
         </p:nvCxnSpPr>
         <p:spPr>
           <a:xfrm flipH="1" flipV="1">
-            <a:off x="3305845" y="2390748"/>
+            <a:off x="3233837" y="2390748"/>
             <a:ext cx="6015" cy="461585"/>
           </a:xfrm>
           <a:prstGeom prst="straightConnector1">
@@ -5960,6 +6004,43 @@
           </a:fontRef>
         </p:style>
       </p:cxnSp>
+      <p:sp>
+        <p:nvSpPr>
+          <p:cNvPr id="16" name="TextBox 15">
+            <a:extLst>
+              <a:ext uri="{FF2B5EF4-FFF2-40B4-BE49-F238E27FC236}">
+                <a16:creationId xmlns:a16="http://schemas.microsoft.com/office/drawing/2014/main" id="{B5DA0A0B-ED07-453B-9565-45624D61FDD6}"/>
+              </a:ext>
+            </a:extLst>
+          </p:cNvPr>
+          <p:cNvSpPr txBox="1"/>
+          <p:nvPr/>
+        </p:nvSpPr>
+        <p:spPr>
+          <a:xfrm>
+            <a:off x="3800384" y="1836982"/>
+            <a:ext cx="1512166" cy="307777"/>
+          </a:xfrm>
+          <a:prstGeom prst="rect">
+            <a:avLst/>
+          </a:prstGeom>
+          <a:noFill/>
+        </p:spPr>
+        <p:txBody>
+          <a:bodyPr wrap="square" rtlCol="0" anchor="ctr">
+            <a:spAutoFit/>
+          </a:bodyPr>
+          <a:lstStyle/>
+          <a:p>
+            <a:pPr algn="ctr"/>
+            <a:r>
+              <a:rPr lang="en-US" altLang="ko-KR" sz="1400"/>
+              <a:t>WAL Record</a:t>
+            </a:r>
+            <a:endParaRPr lang="ko-KR" altLang="en-US" sz="1400"/>
+          </a:p>
+        </p:txBody>
+      </p:sp>
     </p:spTree>
     <p:extLst>
       <p:ext uri="{BB962C8B-B14F-4D97-AF65-F5344CB8AC3E}">
@@ -6004,7 +6085,7 @@
         </p:nvSpPr>
         <p:spPr>
           <a:xfrm>
-            <a:off x="1617732" y="2903918"/>
+            <a:off x="1617732" y="3104553"/>
             <a:ext cx="5832648" cy="1728192"/>
           </a:xfrm>
           <a:prstGeom prst="roundRect">
@@ -6085,7 +6166,7 @@
         </p:nvSpPr>
         <p:spPr>
           <a:xfrm>
-            <a:off x="3779912" y="3003798"/>
+            <a:off x="3779912" y="3204433"/>
             <a:ext cx="1512168" cy="1512168"/>
           </a:xfrm>
           <a:prstGeom prst="roundRect">
@@ -6135,8 +6216,8 @@
         </p:nvSpPr>
         <p:spPr>
           <a:xfrm>
-            <a:off x="3563888" y="1995686"/>
-            <a:ext cx="1944216" cy="360040"/>
+            <a:off x="5007926" y="2196321"/>
+            <a:ext cx="1436282" cy="360040"/>
           </a:xfrm>
           <a:prstGeom prst="roundRect">
             <a:avLst/>
@@ -6187,7 +6268,7 @@
         </p:nvSpPr>
         <p:spPr>
           <a:xfrm>
-            <a:off x="1763688" y="3003798"/>
+            <a:off x="1763688" y="3204433"/>
             <a:ext cx="1512168" cy="1512168"/>
           </a:xfrm>
           <a:prstGeom prst="roundRect">
@@ -6237,7 +6318,7 @@
         </p:nvSpPr>
         <p:spPr>
           <a:xfrm>
-            <a:off x="5792257" y="3003798"/>
+            <a:off x="5792257" y="3204433"/>
             <a:ext cx="1512168" cy="1512168"/>
           </a:xfrm>
           <a:prstGeom prst="roundRect">
@@ -6287,7 +6368,7 @@
         </p:nvSpPr>
         <p:spPr>
           <a:xfrm>
-            <a:off x="3563888" y="1203598"/>
+            <a:off x="3563888" y="1563638"/>
             <a:ext cx="1944216" cy="360040"/>
           </a:xfrm>
           <a:prstGeom prst="roundRect">
@@ -6315,7 +6396,7 @@
             <a:pPr algn="ctr"/>
             <a:r>
               <a:rPr lang="en-US" altLang="ko-KR" sz="1600"/>
-              <a:t>App</a:t>
+              <a:t>LB (VIP)</a:t>
             </a:r>
             <a:endParaRPr lang="ko-KR" altLang="en-US" sz="1600"/>
           </a:p>
@@ -6335,7 +6416,7 @@
         </p:nvSpPr>
         <p:spPr>
           <a:xfrm>
-            <a:off x="1982399" y="3363838"/>
+            <a:off x="1982399" y="3564473"/>
             <a:ext cx="1074746" cy="720080"/>
           </a:xfrm>
           <a:prstGeom prst="flowChartMagneticDisk">
@@ -6379,7 +6460,7 @@
         </p:nvSpPr>
         <p:spPr>
           <a:xfrm>
-            <a:off x="3998623" y="3363838"/>
+            <a:off x="3998623" y="3564473"/>
             <a:ext cx="1074746" cy="720080"/>
           </a:xfrm>
           <a:prstGeom prst="flowChartMagneticDisk">
@@ -6423,7 +6504,7 @@
         </p:nvSpPr>
         <p:spPr>
           <a:xfrm>
-            <a:off x="6010968" y="3363838"/>
+            <a:off x="6010968" y="3564473"/>
             <a:ext cx="1074746" cy="720080"/>
           </a:xfrm>
           <a:prstGeom prst="flowChartMagneticDisk">
@@ -6469,7 +6550,7 @@
         </p:nvCxnSpPr>
         <p:spPr>
           <a:xfrm>
-            <a:off x="3057145" y="3651870"/>
+            <a:off x="3057145" y="3852505"/>
             <a:ext cx="941478" cy="0"/>
           </a:xfrm>
           <a:prstGeom prst="straightConnector1">
@@ -6516,8 +6597,8 @@
         </p:nvCxnSpPr>
         <p:spPr>
           <a:xfrm>
-            <a:off x="4535996" y="1563638"/>
-            <a:ext cx="0" cy="432048"/>
+            <a:off x="4535996" y="1923678"/>
+            <a:ext cx="1190071" cy="272643"/>
           </a:xfrm>
           <a:prstGeom prst="line">
             <a:avLst/>
@@ -6563,15 +6644,15 @@
         </p:nvCxnSpPr>
         <p:spPr>
           <a:xfrm flipH="1">
-            <a:off x="2519772" y="2355726"/>
-            <a:ext cx="2016224" cy="648072"/>
+            <a:off x="2519772" y="2556361"/>
+            <a:ext cx="3206295" cy="648072"/>
           </a:xfrm>
           <a:prstGeom prst="line">
             <a:avLst/>
           </a:prstGeom>
           <a:ln w="28575">
             <a:solidFill>
-              <a:schemeClr val="tx1"/>
+              <a:srgbClr val="C00000"/>
             </a:solidFill>
             <a:headEnd type="none" w="med" len="med"/>
             <a:tailEnd type="arrow" w="med" len="med"/>
@@ -6609,16 +6690,16 @@
           <p:nvPr/>
         </p:nvCxnSpPr>
         <p:spPr>
-          <a:xfrm>
-            <a:off x="4535996" y="2355726"/>
-            <a:ext cx="0" cy="648072"/>
+          <a:xfrm flipH="1">
+            <a:off x="4535996" y="2556361"/>
+            <a:ext cx="1190071" cy="648072"/>
           </a:xfrm>
           <a:prstGeom prst="line">
             <a:avLst/>
           </a:prstGeom>
           <a:ln w="28575">
             <a:solidFill>
-              <a:schemeClr val="tx1"/>
+              <a:schemeClr val="tx2"/>
             </a:solidFill>
             <a:headEnd type="none" w="med" len="med"/>
             <a:tailEnd type="arrow" w="med" len="med"/>
@@ -6657,15 +6738,15 @@
         </p:nvCxnSpPr>
         <p:spPr>
           <a:xfrm>
-            <a:off x="4535996" y="2355726"/>
-            <a:ext cx="2012345" cy="648072"/>
+            <a:off x="5726067" y="2556361"/>
+            <a:ext cx="822274" cy="648072"/>
           </a:xfrm>
           <a:prstGeom prst="line">
             <a:avLst/>
           </a:prstGeom>
           <a:ln w="28575">
             <a:solidFill>
-              <a:schemeClr val="tx1"/>
+              <a:schemeClr val="tx2"/>
             </a:solidFill>
             <a:headEnd type="none" w="med" len="med"/>
             <a:tailEnd type="arrow" w="med" len="med"/>
@@ -6700,13 +6781,16 @@
         </p:nvSpPr>
         <p:spPr>
           <a:xfrm>
-            <a:off x="2483772" y="2324942"/>
+            <a:off x="1475656" y="2752640"/>
             <a:ext cx="1512166" cy="307777"/>
           </a:xfrm>
           <a:prstGeom prst="rect">
             <a:avLst/>
           </a:prstGeom>
           <a:noFill/>
+          <a:ln>
+            <a:noFill/>
+          </a:ln>
         </p:spPr>
         <p:txBody>
           <a:bodyPr wrap="square" rtlCol="0" anchor="ctr">
@@ -6716,10 +6800,18 @@
           <a:p>
             <a:pPr algn="ctr"/>
             <a:r>
-              <a:rPr lang="en-US" altLang="ko-KR" sz="1400"/>
+              <a:rPr lang="en-US" altLang="ko-KR" sz="1400">
+                <a:solidFill>
+                  <a:srgbClr val="C00000"/>
+                </a:solidFill>
+              </a:rPr>
               <a:t>R/W Request</a:t>
             </a:r>
-            <a:endParaRPr lang="ko-KR" altLang="en-US" sz="1400"/>
+            <a:endParaRPr lang="ko-KR" altLang="en-US" sz="1400">
+              <a:solidFill>
+                <a:srgbClr val="C00000"/>
+              </a:solidFill>
+            </a:endParaRPr>
           </a:p>
         </p:txBody>
       </p:sp>
@@ -6737,7 +6829,7 @@
         </p:nvSpPr>
         <p:spPr>
           <a:xfrm>
-            <a:off x="5076056" y="2326108"/>
+            <a:off x="5940154" y="2752640"/>
             <a:ext cx="1512166" cy="307777"/>
           </a:xfrm>
           <a:prstGeom prst="rect">
@@ -6753,47 +6845,18 @@
           <a:p>
             <a:pPr algn="ctr"/>
             <a:r>
-              <a:rPr lang="en-US" altLang="ko-KR" sz="1400"/>
+              <a:rPr lang="en-US" altLang="ko-KR" sz="1400">
+                <a:solidFill>
+                  <a:schemeClr val="tx2"/>
+                </a:solidFill>
+              </a:rPr>
               <a:t>R Request</a:t>
             </a:r>
-            <a:endParaRPr lang="ko-KR" altLang="en-US" sz="1400"/>
-          </a:p>
-        </p:txBody>
-      </p:sp>
-      <p:sp>
-        <p:nvSpPr>
-          <p:cNvPr id="34" name="TextBox 33">
-            <a:extLst>
-              <a:ext uri="{FF2B5EF4-FFF2-40B4-BE49-F238E27FC236}">
-                <a16:creationId xmlns:a16="http://schemas.microsoft.com/office/drawing/2014/main" id="{41532103-6EDB-4FD4-A3B0-AF97E0CA34D5}"/>
-              </a:ext>
-            </a:extLst>
-          </p:cNvPr>
-          <p:cNvSpPr txBox="1"/>
-          <p:nvPr/>
-        </p:nvSpPr>
-        <p:spPr>
-          <a:xfrm>
-            <a:off x="4256262" y="2624013"/>
-            <a:ext cx="1512166" cy="307777"/>
-          </a:xfrm>
-          <a:prstGeom prst="rect">
-            <a:avLst/>
-          </a:prstGeom>
-          <a:noFill/>
-        </p:spPr>
-        <p:txBody>
-          <a:bodyPr wrap="square" rtlCol="0" anchor="ctr">
-            <a:spAutoFit/>
-          </a:bodyPr>
-          <a:lstStyle/>
-          <a:p>
-            <a:pPr algn="ctr"/>
-            <a:r>
-              <a:rPr lang="en-US" altLang="ko-KR" sz="1400"/>
-              <a:t>R Request</a:t>
-            </a:r>
-            <a:endParaRPr lang="ko-KR" altLang="en-US" sz="1400"/>
+            <a:endParaRPr lang="ko-KR" altLang="en-US" sz="1400">
+              <a:solidFill>
+                <a:schemeClr val="tx2"/>
+              </a:solidFill>
+            </a:endParaRPr>
           </a:p>
         </p:txBody>
       </p:sp>
@@ -6811,7 +6874,7 @@
         </p:nvSpPr>
         <p:spPr>
           <a:xfrm>
-            <a:off x="3779914" y="4624849"/>
+            <a:off x="3779914" y="4825484"/>
             <a:ext cx="1512166" cy="338554"/>
           </a:xfrm>
           <a:prstGeom prst="rect">
@@ -6850,7 +6913,7 @@
         </p:nvCxnSpPr>
         <p:spPr>
           <a:xfrm>
-            <a:off x="3057145" y="3867894"/>
+            <a:off x="3057145" y="4068529"/>
             <a:ext cx="2953823" cy="0"/>
           </a:xfrm>
           <a:prstGeom prst="straightConnector1">
@@ -6893,7 +6956,7 @@
         </p:nvSpPr>
         <p:spPr>
           <a:xfrm>
-            <a:off x="2915816" y="3344093"/>
+            <a:off x="2915816" y="3544728"/>
             <a:ext cx="1224135" cy="307777"/>
           </a:xfrm>
           <a:prstGeom prst="rect">
@@ -6930,7 +6993,7 @@
         </p:nvSpPr>
         <p:spPr>
           <a:xfrm>
-            <a:off x="2915816" y="3848149"/>
+            <a:off x="2915816" y="4048784"/>
             <a:ext cx="1224135" cy="307777"/>
           </a:xfrm>
           <a:prstGeom prst="rect">
@@ -6953,6 +7016,426 @@
           </a:p>
         </p:txBody>
       </p:sp>
+      <p:sp>
+        <p:nvSpPr>
+          <p:cNvPr id="29" name="사각형: 둥근 모서리 28">
+            <a:extLst>
+              <a:ext uri="{FF2B5EF4-FFF2-40B4-BE49-F238E27FC236}">
+                <a16:creationId xmlns:a16="http://schemas.microsoft.com/office/drawing/2014/main" id="{37573B34-792A-46A5-9F88-3FDD93229FD0}"/>
+              </a:ext>
+            </a:extLst>
+          </p:cNvPr>
+          <p:cNvSpPr/>
+          <p:nvPr/>
+        </p:nvSpPr>
+        <p:spPr>
+          <a:xfrm>
+            <a:off x="2627784" y="2182673"/>
+            <a:ext cx="1436282" cy="360040"/>
+          </a:xfrm>
+          <a:prstGeom prst="roundRect">
+            <a:avLst/>
+          </a:prstGeom>
+        </p:spPr>
+        <p:style>
+          <a:lnRef idx="2">
+            <a:schemeClr val="dk1"/>
+          </a:lnRef>
+          <a:fillRef idx="1">
+            <a:schemeClr val="lt1"/>
+          </a:fillRef>
+          <a:effectRef idx="0">
+            <a:schemeClr val="dk1"/>
+          </a:effectRef>
+          <a:fontRef idx="minor">
+            <a:schemeClr val="dk1"/>
+          </a:fontRef>
+        </p:style>
+        <p:txBody>
+          <a:bodyPr rtlCol="0" anchor="ctr"/>
+          <a:lstStyle/>
+          <a:p>
+            <a:pPr algn="ctr"/>
+            <a:r>
+              <a:rPr lang="en-US" altLang="ko-KR" sz="1600" err="1"/>
+              <a:t>Pgpool</a:t>
+            </a:r>
+            <a:r>
+              <a:rPr lang="en-US" altLang="ko-KR" sz="1600"/>
+              <a:t>-II</a:t>
+            </a:r>
+            <a:endParaRPr lang="ko-KR" altLang="en-US" sz="1600"/>
+          </a:p>
+        </p:txBody>
+      </p:sp>
+      <p:cxnSp>
+        <p:nvCxnSpPr>
+          <p:cNvPr id="39" name="직선 연결선 38">
+            <a:extLst>
+              <a:ext uri="{FF2B5EF4-FFF2-40B4-BE49-F238E27FC236}">
+                <a16:creationId xmlns:a16="http://schemas.microsoft.com/office/drawing/2014/main" id="{3C0BA583-CCB0-4711-9EAD-3A07439B46E2}"/>
+              </a:ext>
+            </a:extLst>
+          </p:cNvPr>
+          <p:cNvCxnSpPr>
+            <a:cxnSpLocks/>
+            <a:stCxn id="10" idx="2"/>
+            <a:endCxn id="29" idx="0"/>
+          </p:cNvCxnSpPr>
+          <p:nvPr/>
+        </p:nvCxnSpPr>
+        <p:spPr>
+          <a:xfrm flipH="1">
+            <a:off x="3345925" y="1923678"/>
+            <a:ext cx="1190071" cy="258995"/>
+          </a:xfrm>
+          <a:prstGeom prst="line">
+            <a:avLst/>
+          </a:prstGeom>
+          <a:ln w="28575">
+            <a:solidFill>
+              <a:schemeClr val="tx1"/>
+            </a:solidFill>
+            <a:headEnd type="none" w="med" len="med"/>
+            <a:tailEnd type="arrow" w="med" len="med"/>
+          </a:ln>
+        </p:spPr>
+        <p:style>
+          <a:lnRef idx="1">
+            <a:schemeClr val="accent1"/>
+          </a:lnRef>
+          <a:fillRef idx="0">
+            <a:schemeClr val="accent1"/>
+          </a:fillRef>
+          <a:effectRef idx="0">
+            <a:schemeClr val="accent1"/>
+          </a:effectRef>
+          <a:fontRef idx="minor">
+            <a:schemeClr val="tx1"/>
+          </a:fontRef>
+        </p:style>
+      </p:cxnSp>
+      <p:cxnSp>
+        <p:nvCxnSpPr>
+          <p:cNvPr id="41" name="직선 연결선 40">
+            <a:extLst>
+              <a:ext uri="{FF2B5EF4-FFF2-40B4-BE49-F238E27FC236}">
+                <a16:creationId xmlns:a16="http://schemas.microsoft.com/office/drawing/2014/main" id="{8A0F7123-6116-4040-BEFD-D03637E71C5B}"/>
+              </a:ext>
+            </a:extLst>
+          </p:cNvPr>
+          <p:cNvCxnSpPr>
+            <a:cxnSpLocks/>
+            <a:stCxn id="29" idx="2"/>
+            <a:endCxn id="8" idx="0"/>
+          </p:cNvCxnSpPr>
+          <p:nvPr/>
+        </p:nvCxnSpPr>
+        <p:spPr>
+          <a:xfrm flipH="1">
+            <a:off x="2519772" y="2542713"/>
+            <a:ext cx="826153" cy="661720"/>
+          </a:xfrm>
+          <a:prstGeom prst="line">
+            <a:avLst/>
+          </a:prstGeom>
+          <a:ln w="28575">
+            <a:solidFill>
+              <a:srgbClr val="C00000"/>
+            </a:solidFill>
+            <a:headEnd type="none" w="med" len="med"/>
+            <a:tailEnd type="arrow" w="med" len="med"/>
+          </a:ln>
+        </p:spPr>
+        <p:style>
+          <a:lnRef idx="1">
+            <a:schemeClr val="accent1"/>
+          </a:lnRef>
+          <a:fillRef idx="0">
+            <a:schemeClr val="accent1"/>
+          </a:fillRef>
+          <a:effectRef idx="0">
+            <a:schemeClr val="accent1"/>
+          </a:effectRef>
+          <a:fontRef idx="minor">
+            <a:schemeClr val="tx1"/>
+          </a:fontRef>
+        </p:style>
+      </p:cxnSp>
+      <p:cxnSp>
+        <p:nvCxnSpPr>
+          <p:cNvPr id="44" name="직선 연결선 43">
+            <a:extLst>
+              <a:ext uri="{FF2B5EF4-FFF2-40B4-BE49-F238E27FC236}">
+                <a16:creationId xmlns:a16="http://schemas.microsoft.com/office/drawing/2014/main" id="{CB8103E9-B87E-4FE8-BCBD-8EB750D1EB80}"/>
+              </a:ext>
+            </a:extLst>
+          </p:cNvPr>
+          <p:cNvCxnSpPr>
+            <a:cxnSpLocks/>
+            <a:stCxn id="29" idx="2"/>
+            <a:endCxn id="4" idx="0"/>
+          </p:cNvCxnSpPr>
+          <p:nvPr/>
+        </p:nvCxnSpPr>
+        <p:spPr>
+          <a:xfrm>
+            <a:off x="3345925" y="2542713"/>
+            <a:ext cx="1190071" cy="661720"/>
+          </a:xfrm>
+          <a:prstGeom prst="line">
+            <a:avLst/>
+          </a:prstGeom>
+          <a:ln w="28575">
+            <a:solidFill>
+              <a:schemeClr val="tx2"/>
+            </a:solidFill>
+            <a:headEnd type="none" w="med" len="med"/>
+            <a:tailEnd type="arrow" w="med" len="med"/>
+          </a:ln>
+        </p:spPr>
+        <p:style>
+          <a:lnRef idx="1">
+            <a:schemeClr val="accent1"/>
+          </a:lnRef>
+          <a:fillRef idx="0">
+            <a:schemeClr val="accent1"/>
+          </a:fillRef>
+          <a:effectRef idx="0">
+            <a:schemeClr val="accent1"/>
+          </a:effectRef>
+          <a:fontRef idx="minor">
+            <a:schemeClr val="tx1"/>
+          </a:fontRef>
+        </p:style>
+      </p:cxnSp>
+      <p:cxnSp>
+        <p:nvCxnSpPr>
+          <p:cNvPr id="47" name="직선 연결선 46">
+            <a:extLst>
+              <a:ext uri="{FF2B5EF4-FFF2-40B4-BE49-F238E27FC236}">
+                <a16:creationId xmlns:a16="http://schemas.microsoft.com/office/drawing/2014/main" id="{CB437642-1B2B-4E5D-8B88-144B85D6E71B}"/>
+              </a:ext>
+            </a:extLst>
+          </p:cNvPr>
+          <p:cNvCxnSpPr>
+            <a:cxnSpLocks/>
+            <a:stCxn id="29" idx="2"/>
+            <a:endCxn id="9" idx="0"/>
+          </p:cNvCxnSpPr>
+          <p:nvPr/>
+        </p:nvCxnSpPr>
+        <p:spPr>
+          <a:xfrm>
+            <a:off x="3345925" y="2542713"/>
+            <a:ext cx="3202416" cy="661720"/>
+          </a:xfrm>
+          <a:prstGeom prst="line">
+            <a:avLst/>
+          </a:prstGeom>
+          <a:ln w="28575">
+            <a:solidFill>
+              <a:schemeClr val="tx2"/>
+            </a:solidFill>
+            <a:headEnd type="none" w="med" len="med"/>
+            <a:tailEnd type="arrow" w="med" len="med"/>
+          </a:ln>
+        </p:spPr>
+        <p:style>
+          <a:lnRef idx="1">
+            <a:schemeClr val="accent1"/>
+          </a:lnRef>
+          <a:fillRef idx="0">
+            <a:schemeClr val="accent1"/>
+          </a:fillRef>
+          <a:effectRef idx="0">
+            <a:schemeClr val="accent1"/>
+          </a:effectRef>
+          <a:fontRef idx="minor">
+            <a:schemeClr val="tx1"/>
+          </a:fontRef>
+        </p:style>
+      </p:cxnSp>
+      <p:cxnSp>
+        <p:nvCxnSpPr>
+          <p:cNvPr id="50" name="직선 연결선 49">
+            <a:extLst>
+              <a:ext uri="{FF2B5EF4-FFF2-40B4-BE49-F238E27FC236}">
+                <a16:creationId xmlns:a16="http://schemas.microsoft.com/office/drawing/2014/main" id="{8F94A7C8-0290-44E5-905E-D8BCA0A5010D}"/>
+              </a:ext>
+            </a:extLst>
+          </p:cNvPr>
+          <p:cNvCxnSpPr>
+            <a:cxnSpLocks/>
+            <a:stCxn id="3" idx="1"/>
+            <a:endCxn id="29" idx="3"/>
+          </p:cNvCxnSpPr>
+          <p:nvPr/>
+        </p:nvCxnSpPr>
+        <p:spPr>
+          <a:xfrm flipH="1" flipV="1">
+            <a:off x="4064066" y="2362693"/>
+            <a:ext cx="943860" cy="13648"/>
+          </a:xfrm>
+          <a:prstGeom prst="line">
+            <a:avLst/>
+          </a:prstGeom>
+          <a:ln w="28575">
+            <a:solidFill>
+              <a:schemeClr val="tx1"/>
+            </a:solidFill>
+            <a:prstDash val="dash"/>
+            <a:headEnd type="arrow" w="med" len="med"/>
+            <a:tailEnd type="arrow" w="med" len="med"/>
+          </a:ln>
+        </p:spPr>
+        <p:style>
+          <a:lnRef idx="1">
+            <a:schemeClr val="accent1"/>
+          </a:lnRef>
+          <a:fillRef idx="0">
+            <a:schemeClr val="accent1"/>
+          </a:fillRef>
+          <a:effectRef idx="0">
+            <a:schemeClr val="accent1"/>
+          </a:effectRef>
+          <a:fontRef idx="minor">
+            <a:schemeClr val="tx1"/>
+          </a:fontRef>
+        </p:style>
+      </p:cxnSp>
+      <p:sp>
+        <p:nvSpPr>
+          <p:cNvPr id="53" name="TextBox 52">
+            <a:extLst>
+              <a:ext uri="{FF2B5EF4-FFF2-40B4-BE49-F238E27FC236}">
+                <a16:creationId xmlns:a16="http://schemas.microsoft.com/office/drawing/2014/main" id="{0CCE181F-5408-4348-85FA-63DB616D2DDE}"/>
+              </a:ext>
+            </a:extLst>
+          </p:cNvPr>
+          <p:cNvSpPr txBox="1"/>
+          <p:nvPr/>
+        </p:nvSpPr>
+        <p:spPr>
+          <a:xfrm>
+            <a:off x="3779914" y="2054915"/>
+            <a:ext cx="1512166" cy="307777"/>
+          </a:xfrm>
+          <a:prstGeom prst="rect">
+            <a:avLst/>
+          </a:prstGeom>
+          <a:noFill/>
+        </p:spPr>
+        <p:txBody>
+          <a:bodyPr wrap="square" rtlCol="0" anchor="ctr">
+            <a:spAutoFit/>
+          </a:bodyPr>
+          <a:lstStyle/>
+          <a:p>
+            <a:pPr algn="ctr"/>
+            <a:r>
+              <a:rPr lang="en-US" altLang="ko-KR" sz="1400"/>
+              <a:t>Watchdog</a:t>
+            </a:r>
+            <a:endParaRPr lang="ko-KR" altLang="en-US" sz="1400"/>
+          </a:p>
+        </p:txBody>
+      </p:sp>
+      <p:sp>
+        <p:nvSpPr>
+          <p:cNvPr id="59" name="사각형: 둥근 모서리 58">
+            <a:extLst>
+              <a:ext uri="{FF2B5EF4-FFF2-40B4-BE49-F238E27FC236}">
+                <a16:creationId xmlns:a16="http://schemas.microsoft.com/office/drawing/2014/main" id="{7A708403-83B0-46B6-B476-0337B8D3658D}"/>
+              </a:ext>
+            </a:extLst>
+          </p:cNvPr>
+          <p:cNvSpPr/>
+          <p:nvPr/>
+        </p:nvSpPr>
+        <p:spPr>
+          <a:xfrm>
+            <a:off x="3563888" y="933568"/>
+            <a:ext cx="1944216" cy="360040"/>
+          </a:xfrm>
+          <a:prstGeom prst="roundRect">
+            <a:avLst/>
+          </a:prstGeom>
+        </p:spPr>
+        <p:style>
+          <a:lnRef idx="2">
+            <a:schemeClr val="dk1"/>
+          </a:lnRef>
+          <a:fillRef idx="1">
+            <a:schemeClr val="lt1"/>
+          </a:fillRef>
+          <a:effectRef idx="0">
+            <a:schemeClr val="dk1"/>
+          </a:effectRef>
+          <a:fontRef idx="minor">
+            <a:schemeClr val="dk1"/>
+          </a:fontRef>
+        </p:style>
+        <p:txBody>
+          <a:bodyPr rtlCol="0" anchor="ctr"/>
+          <a:lstStyle/>
+          <a:p>
+            <a:pPr algn="ctr"/>
+            <a:r>
+              <a:rPr lang="en-US" altLang="ko-KR" sz="1600"/>
+              <a:t>App</a:t>
+            </a:r>
+            <a:endParaRPr lang="ko-KR" altLang="en-US" sz="1600"/>
+          </a:p>
+        </p:txBody>
+      </p:sp>
+      <p:cxnSp>
+        <p:nvCxnSpPr>
+          <p:cNvPr id="60" name="직선 연결선 59">
+            <a:extLst>
+              <a:ext uri="{FF2B5EF4-FFF2-40B4-BE49-F238E27FC236}">
+                <a16:creationId xmlns:a16="http://schemas.microsoft.com/office/drawing/2014/main" id="{7FA95D22-7066-4C32-9DBF-FD0964662519}"/>
+              </a:ext>
+            </a:extLst>
+          </p:cNvPr>
+          <p:cNvCxnSpPr>
+            <a:cxnSpLocks/>
+            <a:stCxn id="59" idx="2"/>
+            <a:endCxn id="10" idx="0"/>
+          </p:cNvCxnSpPr>
+          <p:nvPr/>
+        </p:nvCxnSpPr>
+        <p:spPr>
+          <a:xfrm>
+            <a:off x="4535996" y="1293608"/>
+            <a:ext cx="0" cy="270030"/>
+          </a:xfrm>
+          <a:prstGeom prst="line">
+            <a:avLst/>
+          </a:prstGeom>
+          <a:ln w="28575">
+            <a:solidFill>
+              <a:schemeClr val="tx1"/>
+            </a:solidFill>
+            <a:headEnd type="none" w="med" len="med"/>
+            <a:tailEnd type="arrow" w="med" len="med"/>
+          </a:ln>
+        </p:spPr>
+        <p:style>
+          <a:lnRef idx="1">
+            <a:schemeClr val="accent1"/>
+          </a:lnRef>
+          <a:fillRef idx="0">
+            <a:schemeClr val="accent1"/>
+          </a:fillRef>
+          <a:effectRef idx="0">
+            <a:schemeClr val="accent1"/>
+          </a:effectRef>
+          <a:fontRef idx="minor">
+            <a:schemeClr val="tx1"/>
+          </a:fontRef>
+        </p:style>
+      </p:cxnSp>
     </p:spTree>
     <p:extLst>
       <p:ext uri="{BB962C8B-B14F-4D97-AF65-F5344CB8AC3E}">

--- a/images/theory_analysis/PostgreSQL_Replication/PostgreSQL_Replication.pptx
+++ b/images/theory_analysis/PostgreSQL_Replication/PostgreSQL_Replication.pptx
@@ -216,7 +216,7 @@
           <a:p>
             <a:fld id="{6CD5550B-26C4-49A9-A5BA-636EF7BE6CE9}" type="datetimeFigureOut">
               <a:rPr lang="ko-KR" altLang="en-US" smtClean="0"/>
-              <a:t>2019-03-02</a:t>
+              <a:t>2019-03-03</a:t>
             </a:fld>
             <a:endParaRPr lang="ko-KR" altLang="en-US"/>
           </a:p>
@@ -998,7 +998,7 @@
           <a:p>
             <a:fld id="{FB30EDBD-1C2D-4C1E-B459-B60219FAB484}" type="datetimeFigureOut">
               <a:rPr lang="ko-KR" altLang="en-US" smtClean="0"/>
-              <a:t>2019-03-02</a:t>
+              <a:t>2019-03-03</a:t>
             </a:fld>
             <a:endParaRPr lang="ko-KR" altLang="en-US"/>
           </a:p>
@@ -1161,7 +1161,7 @@
           <a:p>
             <a:fld id="{FB30EDBD-1C2D-4C1E-B459-B60219FAB484}" type="datetimeFigureOut">
               <a:rPr lang="ko-KR" altLang="en-US" smtClean="0"/>
-              <a:t>2019-03-02</a:t>
+              <a:t>2019-03-03</a:t>
             </a:fld>
             <a:endParaRPr lang="ko-KR" altLang="en-US"/>
           </a:p>
@@ -1334,7 +1334,7 @@
           <a:p>
             <a:fld id="{FB30EDBD-1C2D-4C1E-B459-B60219FAB484}" type="datetimeFigureOut">
               <a:rPr lang="ko-KR" altLang="en-US" smtClean="0"/>
-              <a:t>2019-03-02</a:t>
+              <a:t>2019-03-03</a:t>
             </a:fld>
             <a:endParaRPr lang="ko-KR" altLang="en-US"/>
           </a:p>
@@ -1497,7 +1497,7 @@
           <a:p>
             <a:fld id="{FB30EDBD-1C2D-4C1E-B459-B60219FAB484}" type="datetimeFigureOut">
               <a:rPr lang="ko-KR" altLang="en-US" smtClean="0"/>
-              <a:t>2019-03-02</a:t>
+              <a:t>2019-03-03</a:t>
             </a:fld>
             <a:endParaRPr lang="ko-KR" altLang="en-US"/>
           </a:p>
@@ -1737,7 +1737,7 @@
           <a:p>
             <a:fld id="{FB30EDBD-1C2D-4C1E-B459-B60219FAB484}" type="datetimeFigureOut">
               <a:rPr lang="ko-KR" altLang="en-US" smtClean="0"/>
-              <a:t>2019-03-02</a:t>
+              <a:t>2019-03-03</a:t>
             </a:fld>
             <a:endParaRPr lang="ko-KR" altLang="en-US"/>
           </a:p>
@@ -2017,7 +2017,7 @@
           <a:p>
             <a:fld id="{FB30EDBD-1C2D-4C1E-B459-B60219FAB484}" type="datetimeFigureOut">
               <a:rPr lang="ko-KR" altLang="en-US" smtClean="0"/>
-              <a:t>2019-03-02</a:t>
+              <a:t>2019-03-03</a:t>
             </a:fld>
             <a:endParaRPr lang="ko-KR" altLang="en-US"/>
           </a:p>
@@ -2431,7 +2431,7 @@
           <a:p>
             <a:fld id="{FB30EDBD-1C2D-4C1E-B459-B60219FAB484}" type="datetimeFigureOut">
               <a:rPr lang="ko-KR" altLang="en-US" smtClean="0"/>
-              <a:t>2019-03-02</a:t>
+              <a:t>2019-03-03</a:t>
             </a:fld>
             <a:endParaRPr lang="ko-KR" altLang="en-US"/>
           </a:p>
@@ -2543,7 +2543,7 @@
           <a:p>
             <a:fld id="{FB30EDBD-1C2D-4C1E-B459-B60219FAB484}" type="datetimeFigureOut">
               <a:rPr lang="ko-KR" altLang="en-US" smtClean="0"/>
-              <a:t>2019-03-02</a:t>
+              <a:t>2019-03-03</a:t>
             </a:fld>
             <a:endParaRPr lang="ko-KR" altLang="en-US"/>
           </a:p>
@@ -2633,7 +2633,7 @@
           <a:p>
             <a:fld id="{FB30EDBD-1C2D-4C1E-B459-B60219FAB484}" type="datetimeFigureOut">
               <a:rPr lang="ko-KR" altLang="en-US" smtClean="0"/>
-              <a:t>2019-03-02</a:t>
+              <a:t>2019-03-03</a:t>
             </a:fld>
             <a:endParaRPr lang="ko-KR" altLang="en-US"/>
           </a:p>
@@ -2903,7 +2903,7 @@
           <a:p>
             <a:fld id="{FB30EDBD-1C2D-4C1E-B459-B60219FAB484}" type="datetimeFigureOut">
               <a:rPr lang="ko-KR" altLang="en-US" smtClean="0"/>
-              <a:t>2019-03-02</a:t>
+              <a:t>2019-03-03</a:t>
             </a:fld>
             <a:endParaRPr lang="ko-KR" altLang="en-US"/>
           </a:p>
@@ -3150,7 +3150,7 @@
           <a:p>
             <a:fld id="{FB30EDBD-1C2D-4C1E-B459-B60219FAB484}" type="datetimeFigureOut">
               <a:rPr lang="ko-KR" altLang="en-US" smtClean="0"/>
-              <a:t>2019-03-02</a:t>
+              <a:t>2019-03-03</a:t>
             </a:fld>
             <a:endParaRPr lang="ko-KR" altLang="en-US"/>
           </a:p>
@@ -3356,7 +3356,7 @@
           <a:p>
             <a:fld id="{FB30EDBD-1C2D-4C1E-B459-B60219FAB484}" type="datetimeFigureOut">
               <a:rPr lang="ko-KR" altLang="en-US" smtClean="0"/>
-              <a:t>2019-03-02</a:t>
+              <a:t>2019-03-03</a:t>
             </a:fld>
             <a:endParaRPr lang="ko-KR" altLang="en-US"/>
           </a:p>
@@ -6217,7 +6217,7 @@
         <p:spPr>
           <a:xfrm>
             <a:off x="5007926" y="2196321"/>
-            <a:ext cx="1436282" cy="360040"/>
+            <a:ext cx="1652306" cy="360040"/>
           </a:xfrm>
           <a:prstGeom prst="roundRect">
             <a:avLst/>
@@ -6368,8 +6368,8 @@
         </p:nvSpPr>
         <p:spPr>
           <a:xfrm>
-            <a:off x="3563888" y="1563638"/>
-            <a:ext cx="1944216" cy="360040"/>
+            <a:off x="2868487" y="1822633"/>
+            <a:ext cx="720080" cy="360040"/>
           </a:xfrm>
           <a:prstGeom prst="roundRect">
             <a:avLst/>
@@ -6395,10 +6395,10 @@
           <a:p>
             <a:pPr algn="ctr"/>
             <a:r>
-              <a:rPr lang="en-US" altLang="ko-KR" sz="1600"/>
-              <a:t>LB (VIP)</a:t>
-            </a:r>
-            <a:endParaRPr lang="ko-KR" altLang="en-US" sz="1600"/>
+              <a:rPr lang="en-US" altLang="ko-KR" sz="1600" b="1"/>
+              <a:t>VIP</a:t>
+            </a:r>
+            <a:endParaRPr lang="ko-KR" altLang="en-US" sz="1600" b="1"/>
           </a:p>
         </p:txBody>
       </p:sp>
@@ -6554,53 +6554,6 @@
             <a:ext cx="941478" cy="0"/>
           </a:xfrm>
           <a:prstGeom prst="straightConnector1">
-            <a:avLst/>
-          </a:prstGeom>
-          <a:ln w="28575">
-            <a:solidFill>
-              <a:schemeClr val="tx1"/>
-            </a:solidFill>
-            <a:headEnd type="none" w="med" len="med"/>
-            <a:tailEnd type="arrow" w="med" len="med"/>
-          </a:ln>
-        </p:spPr>
-        <p:style>
-          <a:lnRef idx="1">
-            <a:schemeClr val="accent1"/>
-          </a:lnRef>
-          <a:fillRef idx="0">
-            <a:schemeClr val="accent1"/>
-          </a:fillRef>
-          <a:effectRef idx="0">
-            <a:schemeClr val="accent1"/>
-          </a:effectRef>
-          <a:fontRef idx="minor">
-            <a:schemeClr val="tx1"/>
-          </a:fontRef>
-        </p:style>
-      </p:cxnSp>
-      <p:cxnSp>
-        <p:nvCxnSpPr>
-          <p:cNvPr id="19" name="직선 연결선 18">
-            <a:extLst>
-              <a:ext uri="{FF2B5EF4-FFF2-40B4-BE49-F238E27FC236}">
-                <a16:creationId xmlns:a16="http://schemas.microsoft.com/office/drawing/2014/main" id="{22CBDC41-EAC0-49C3-8FAC-63013E9BAF6F}"/>
-              </a:ext>
-            </a:extLst>
-          </p:cNvPr>
-          <p:cNvCxnSpPr>
-            <a:cxnSpLocks/>
-            <a:stCxn id="10" idx="2"/>
-            <a:endCxn id="3" idx="0"/>
-          </p:cNvCxnSpPr>
-          <p:nvPr/>
-        </p:nvCxnSpPr>
-        <p:spPr>
-          <a:xfrm>
-            <a:off x="4535996" y="1923678"/>
-            <a:ext cx="1190071" cy="272643"/>
-          </a:xfrm>
-          <a:prstGeom prst="line">
             <a:avLst/>
           </a:prstGeom>
           <a:ln w="28575">
@@ -6645,7 +6598,7 @@
         <p:spPr>
           <a:xfrm flipH="1">
             <a:off x="2519772" y="2556361"/>
-            <a:ext cx="3206295" cy="648072"/>
+            <a:ext cx="3314307" cy="648072"/>
           </a:xfrm>
           <a:prstGeom prst="line">
             <a:avLst/>
@@ -6692,7 +6645,7 @@
         <p:spPr>
           <a:xfrm flipH="1">
             <a:off x="4535996" y="2556361"/>
-            <a:ext cx="1190071" cy="648072"/>
+            <a:ext cx="1298083" cy="648072"/>
           </a:xfrm>
           <a:prstGeom prst="line">
             <a:avLst/>
@@ -6738,8 +6691,8 @@
         </p:nvCxnSpPr>
         <p:spPr>
           <a:xfrm>
-            <a:off x="5726067" y="2556361"/>
-            <a:ext cx="822274" cy="648072"/>
+            <a:off x="5834079" y="2556361"/>
+            <a:ext cx="714262" cy="648072"/>
           </a:xfrm>
           <a:prstGeom prst="line">
             <a:avLst/>
@@ -7030,8 +6983,8 @@
         </p:nvSpPr>
         <p:spPr>
           <a:xfrm>
-            <a:off x="2627784" y="2182673"/>
-            <a:ext cx="1436282" cy="360040"/>
+            <a:off x="2411760" y="2182673"/>
+            <a:ext cx="1652306" cy="360040"/>
           </a:xfrm>
           <a:prstGeom prst="roundRect">
             <a:avLst/>
@@ -7068,53 +7021,6 @@
           </a:p>
         </p:txBody>
       </p:sp>
-      <p:cxnSp>
-        <p:nvCxnSpPr>
-          <p:cNvPr id="39" name="직선 연결선 38">
-            <a:extLst>
-              <a:ext uri="{FF2B5EF4-FFF2-40B4-BE49-F238E27FC236}">
-                <a16:creationId xmlns:a16="http://schemas.microsoft.com/office/drawing/2014/main" id="{3C0BA583-CCB0-4711-9EAD-3A07439B46E2}"/>
-              </a:ext>
-            </a:extLst>
-          </p:cNvPr>
-          <p:cNvCxnSpPr>
-            <a:cxnSpLocks/>
-            <a:stCxn id="10" idx="2"/>
-            <a:endCxn id="29" idx="0"/>
-          </p:cNvCxnSpPr>
-          <p:nvPr/>
-        </p:nvCxnSpPr>
-        <p:spPr>
-          <a:xfrm flipH="1">
-            <a:off x="3345925" y="1923678"/>
-            <a:ext cx="1190071" cy="258995"/>
-          </a:xfrm>
-          <a:prstGeom prst="line">
-            <a:avLst/>
-          </a:prstGeom>
-          <a:ln w="28575">
-            <a:solidFill>
-              <a:schemeClr val="tx1"/>
-            </a:solidFill>
-            <a:headEnd type="none" w="med" len="med"/>
-            <a:tailEnd type="arrow" w="med" len="med"/>
-          </a:ln>
-        </p:spPr>
-        <p:style>
-          <a:lnRef idx="1">
-            <a:schemeClr val="accent1"/>
-          </a:lnRef>
-          <a:fillRef idx="0">
-            <a:schemeClr val="accent1"/>
-          </a:fillRef>
-          <a:effectRef idx="0">
-            <a:schemeClr val="accent1"/>
-          </a:effectRef>
-          <a:fontRef idx="minor">
-            <a:schemeClr val="tx1"/>
-          </a:fontRef>
-        </p:style>
-      </p:cxnSp>
       <p:cxnSp>
         <p:nvCxnSpPr>
           <p:cNvPr id="41" name="직선 연결선 40">
@@ -7134,7 +7040,7 @@
         <p:spPr>
           <a:xfrm flipH="1">
             <a:off x="2519772" y="2542713"/>
-            <a:ext cx="826153" cy="661720"/>
+            <a:ext cx="718141" cy="661720"/>
           </a:xfrm>
           <a:prstGeom prst="line">
             <a:avLst/>
@@ -7180,8 +7086,8 @@
         </p:nvCxnSpPr>
         <p:spPr>
           <a:xfrm>
-            <a:off x="3345925" y="2542713"/>
-            <a:ext cx="1190071" cy="661720"/>
+            <a:off x="3237913" y="2542713"/>
+            <a:ext cx="1298083" cy="661720"/>
           </a:xfrm>
           <a:prstGeom prst="line">
             <a:avLst/>
@@ -7227,8 +7133,8 @@
         </p:nvCxnSpPr>
         <p:spPr>
           <a:xfrm>
-            <a:off x="3345925" y="2542713"/>
-            <a:ext cx="3202416" cy="661720"/>
+            <a:off x="3237913" y="2542713"/>
+            <a:ext cx="3310428" cy="661720"/>
           </a:xfrm>
           <a:prstGeom prst="line">
             <a:avLst/>
@@ -7355,7 +7261,7 @@
         </p:nvSpPr>
         <p:spPr>
           <a:xfrm>
-            <a:off x="3563888" y="933568"/>
+            <a:off x="3563888" y="1203598"/>
             <a:ext cx="1944216" cy="360040"/>
           </a:xfrm>
           <a:prstGeom prst="roundRect">
@@ -7406,9 +7312,9 @@
           <p:nvPr/>
         </p:nvCxnSpPr>
         <p:spPr>
-          <a:xfrm>
-            <a:off x="4535996" y="1293608"/>
-            <a:ext cx="0" cy="270030"/>
+          <a:xfrm flipH="1">
+            <a:off x="3228527" y="1563638"/>
+            <a:ext cx="1307469" cy="258995"/>
           </a:xfrm>
           <a:prstGeom prst="line">
             <a:avLst/>
@@ -7417,6 +7323,105 @@
             <a:solidFill>
               <a:schemeClr val="tx1"/>
             </a:solidFill>
+            <a:headEnd type="none" w="med" len="med"/>
+            <a:tailEnd type="arrow" w="med" len="med"/>
+          </a:ln>
+        </p:spPr>
+        <p:style>
+          <a:lnRef idx="1">
+            <a:schemeClr val="accent1"/>
+          </a:lnRef>
+          <a:fillRef idx="0">
+            <a:schemeClr val="accent1"/>
+          </a:fillRef>
+          <a:effectRef idx="0">
+            <a:schemeClr val="accent1"/>
+          </a:effectRef>
+          <a:fontRef idx="minor">
+            <a:schemeClr val="tx1"/>
+          </a:fontRef>
+        </p:style>
+      </p:cxnSp>
+      <p:sp>
+        <p:nvSpPr>
+          <p:cNvPr id="61" name="사각형: 둥근 모서리 60">
+            <a:extLst>
+              <a:ext uri="{FF2B5EF4-FFF2-40B4-BE49-F238E27FC236}">
+                <a16:creationId xmlns:a16="http://schemas.microsoft.com/office/drawing/2014/main" id="{FFA2D812-0D66-402F-BDF4-81EBEB488AE6}"/>
+              </a:ext>
+            </a:extLst>
+          </p:cNvPr>
+          <p:cNvSpPr/>
+          <p:nvPr/>
+        </p:nvSpPr>
+        <p:spPr>
+          <a:xfrm>
+            <a:off x="5476872" y="1830102"/>
+            <a:ext cx="720080" cy="360040"/>
+          </a:xfrm>
+          <a:prstGeom prst="roundRect">
+            <a:avLst/>
+          </a:prstGeom>
+          <a:ln>
+            <a:prstDash val="dash"/>
+          </a:ln>
+        </p:spPr>
+        <p:style>
+          <a:lnRef idx="2">
+            <a:schemeClr val="dk1"/>
+          </a:lnRef>
+          <a:fillRef idx="1">
+            <a:schemeClr val="lt1"/>
+          </a:fillRef>
+          <a:effectRef idx="0">
+            <a:schemeClr val="dk1"/>
+          </a:effectRef>
+          <a:fontRef idx="minor">
+            <a:schemeClr val="dk1"/>
+          </a:fontRef>
+        </p:style>
+        <p:txBody>
+          <a:bodyPr rtlCol="0" anchor="ctr"/>
+          <a:lstStyle/>
+          <a:p>
+            <a:pPr algn="ctr"/>
+            <a:r>
+              <a:rPr lang="en-US" altLang="ko-KR" sz="1600" b="1"/>
+              <a:t>VIP</a:t>
+            </a:r>
+            <a:endParaRPr lang="ko-KR" altLang="en-US" sz="1600" b="1"/>
+          </a:p>
+        </p:txBody>
+      </p:sp>
+      <p:cxnSp>
+        <p:nvCxnSpPr>
+          <p:cNvPr id="62" name="직선 연결선 61">
+            <a:extLst>
+              <a:ext uri="{FF2B5EF4-FFF2-40B4-BE49-F238E27FC236}">
+                <a16:creationId xmlns:a16="http://schemas.microsoft.com/office/drawing/2014/main" id="{5CC8F4FC-D749-4F98-817C-AFAEAAF8B76A}"/>
+              </a:ext>
+            </a:extLst>
+          </p:cNvPr>
+          <p:cNvCxnSpPr>
+            <a:cxnSpLocks/>
+            <a:stCxn id="59" idx="2"/>
+            <a:endCxn id="61" idx="0"/>
+          </p:cNvCxnSpPr>
+          <p:nvPr/>
+        </p:nvCxnSpPr>
+        <p:spPr>
+          <a:xfrm>
+            <a:off x="4535996" y="1563638"/>
+            <a:ext cx="1300916" cy="266464"/>
+          </a:xfrm>
+          <a:prstGeom prst="line">
+            <a:avLst/>
+          </a:prstGeom>
+          <a:ln w="28575">
+            <a:solidFill>
+              <a:schemeClr val="tx1"/>
+            </a:solidFill>
+            <a:prstDash val="dash"/>
             <a:headEnd type="none" w="med" len="med"/>
             <a:tailEnd type="arrow" w="med" len="med"/>
           </a:ln>

--- a/images/theory_analysis/PostgreSQL_Replication/PostgreSQL_Replication.pptx
+++ b/images/theory_analysis/PostgreSQL_Replication/PostgreSQL_Replication.pptx
@@ -6395,10 +6395,10 @@
           <a:p>
             <a:pPr algn="ctr"/>
             <a:r>
-              <a:rPr lang="en-US" altLang="ko-KR" sz="1600" b="1"/>
+              <a:rPr lang="en-US" altLang="ko-KR" sz="1600"/>
               <a:t>VIP</a:t>
             </a:r>
-            <a:endParaRPr lang="ko-KR" altLang="en-US" sz="1600" b="1"/>
+            <a:endParaRPr lang="ko-KR" altLang="en-US" sz="1600"/>
           </a:p>
         </p:txBody>
       </p:sp>
@@ -7386,10 +7386,10 @@
           <a:p>
             <a:pPr algn="ctr"/>
             <a:r>
-              <a:rPr lang="en-US" altLang="ko-KR" sz="1600" b="1"/>
+              <a:rPr lang="en-US" altLang="ko-KR" sz="1600"/>
               <a:t>VIP</a:t>
             </a:r>
-            <a:endParaRPr lang="ko-KR" altLang="en-US" sz="1600" b="1"/>
+            <a:endParaRPr lang="ko-KR" altLang="en-US" sz="1600"/>
           </a:p>
         </p:txBody>
       </p:sp>
